--- a/Stages/Indoor/Long Courses - 32 or less/32 Rounds V2-Funnel.pptx
+++ b/Stages/Indoor/Long Courses - 32 or less/32 Rounds V2-Funnel.pptx
@@ -5,15 +5,16 @@
     <p:sldMasterId id="2147483648" r:id="rId1"/>
   </p:sldMasterIdLst>
   <p:notesMasterIdLst>
-    <p:notesMasterId r:id="rId3"/>
+    <p:notesMasterId r:id="rId4"/>
   </p:notesMasterIdLst>
   <p:sldIdLst>
     <p:sldId id="321" r:id="rId2"/>
+    <p:sldId id="322" r:id="rId3"/>
   </p:sldIdLst>
   <p:sldSz cx="7315200" cy="9601200"/>
   <p:notesSz cx="6985000" cy="9283700"/>
   <p:custDataLst>
-    <p:tags r:id="rId4"/>
+    <p:tags r:id="rId5"/>
   </p:custDataLst>
   <p:defaultTextStyle>
     <a:defPPr>
@@ -242,7 +243,7 @@
             <a:fld id="{6FD315A2-9F92-4CCE-886A-5EF00EA90DC0}" type="datetimeFigureOut">
               <a:rPr lang="en-US" smtClean="0"/>
               <a:pPr/>
-              <a:t>5/23/24</a:t>
+              <a:t>3/4/25</a:t>
             </a:fld>
             <a:endParaRPr lang="en-US"/>
           </a:p>
@@ -3721,14 +3722,14 @@
           <p:nvPr>
             <p:extLst>
               <p:ext uri="{D42A27DB-BD31-4B8C-83A1-F6EECF244321}">
-                <p14:modId xmlns:p14="http://schemas.microsoft.com/office/powerpoint/2010/main" val="3583276778"/>
+                <p14:modId xmlns:p14="http://schemas.microsoft.com/office/powerpoint/2010/main" val="2910311384"/>
               </p:ext>
             </p:extLst>
           </p:nvPr>
         </p:nvGraphicFramePr>
         <p:xfrm>
           <a:off x="177801" y="165099"/>
-          <a:ext cx="6997700" cy="2356297"/>
+          <a:ext cx="6997700" cy="2374393"/>
         </p:xfrm>
         <a:graphic>
           <a:graphicData uri="http://schemas.openxmlformats.org/drawingml/2006/table">
@@ -4622,7 +4623,34 @@
                           <a:latin typeface="Arial" charset="0"/>
                           <a:cs typeface="Times New Roman" charset="0"/>
                         </a:rPr>
-                        <a:t>Upon start signal, engage targets as they become visible.</a:t>
+                        <a:t>Upon start signal, engage targets as they become visible from within the </a:t>
+                      </a:r>
+                      <a:br>
+                        <a:rPr kumimoji="0" lang="en-US" sz="1100" b="0" i="0" u="none" strike="noStrike" cap="none" normalizeH="0" baseline="0" dirty="0">
+                          <a:ln>
+                            <a:noFill/>
+                          </a:ln>
+                          <a:solidFill>
+                            <a:schemeClr val="tx1"/>
+                          </a:solidFill>
+                          <a:effectLst/>
+                          <a:latin typeface="Arial" charset="0"/>
+                          <a:cs typeface="Times New Roman" charset="0"/>
+                        </a:rPr>
+                      </a:br>
+                      <a:r>
+                        <a:rPr kumimoji="0" lang="en-US" sz="1100" b="0" i="0" u="none" strike="noStrike" cap="none" normalizeH="0" baseline="0" dirty="0">
+                          <a:ln>
+                            <a:noFill/>
+                          </a:ln>
+                          <a:solidFill>
+                            <a:schemeClr val="tx1"/>
+                          </a:solidFill>
+                          <a:effectLst/>
+                          <a:latin typeface="Arial" charset="0"/>
+                          <a:cs typeface="Times New Roman" charset="0"/>
+                        </a:rPr>
+                        <a:t>shooting areas, A, B, or C</a:t>
                       </a:r>
                     </a:p>
                   </a:txBody>
@@ -20588,10 +20616,291 @@
           </p:txBody>
         </p:sp>
       </p:grpSp>
+      <p:sp>
+        <p:nvSpPr>
+          <p:cNvPr id="3" name="TextBox 2">
+            <a:extLst>
+              <a:ext uri="{FF2B5EF4-FFF2-40B4-BE49-F238E27FC236}">
+                <a16:creationId xmlns:a16="http://schemas.microsoft.com/office/drawing/2014/main" id="{DB0DF23B-1CD7-3DAF-6513-043063F8D0B9}"/>
+              </a:ext>
+            </a:extLst>
+          </p:cNvPr>
+          <p:cNvSpPr txBox="1"/>
+          <p:nvPr/>
+        </p:nvSpPr>
+        <p:spPr>
+          <a:xfrm>
+            <a:off x="1459755" y="7455633"/>
+            <a:ext cx="338554" cy="369332"/>
+          </a:xfrm>
+          <a:prstGeom prst="rect">
+            <a:avLst/>
+          </a:prstGeom>
+          <a:noFill/>
+        </p:spPr>
+        <p:txBody>
+          <a:bodyPr wrap="none" rtlCol="0">
+            <a:spAutoFit/>
+          </a:bodyPr>
+          <a:lstStyle/>
+          <a:p>
+            <a:r>
+              <a:rPr lang="en-US" dirty="0"/>
+              <a:t>A</a:t>
+            </a:r>
+          </a:p>
+        </p:txBody>
+      </p:sp>
+      <p:sp>
+        <p:nvSpPr>
+          <p:cNvPr id="4" name="TextBox 3">
+            <a:extLst>
+              <a:ext uri="{FF2B5EF4-FFF2-40B4-BE49-F238E27FC236}">
+                <a16:creationId xmlns:a16="http://schemas.microsoft.com/office/drawing/2014/main" id="{F11A1A75-CF4D-30C3-C5C3-EE3365431A7F}"/>
+              </a:ext>
+            </a:extLst>
+          </p:cNvPr>
+          <p:cNvSpPr txBox="1"/>
+          <p:nvPr/>
+        </p:nvSpPr>
+        <p:spPr>
+          <a:xfrm>
+            <a:off x="5507006" y="7485055"/>
+            <a:ext cx="338554" cy="369332"/>
+          </a:xfrm>
+          <a:prstGeom prst="rect">
+            <a:avLst/>
+          </a:prstGeom>
+          <a:noFill/>
+        </p:spPr>
+        <p:txBody>
+          <a:bodyPr wrap="square" rtlCol="0">
+            <a:spAutoFit/>
+          </a:bodyPr>
+          <a:lstStyle/>
+          <a:p>
+            <a:r>
+              <a:rPr lang="en-US" dirty="0"/>
+              <a:t>B</a:t>
+            </a:r>
+          </a:p>
+        </p:txBody>
+      </p:sp>
+      <p:sp>
+        <p:nvSpPr>
+          <p:cNvPr id="5" name="TextBox 4">
+            <a:extLst>
+              <a:ext uri="{FF2B5EF4-FFF2-40B4-BE49-F238E27FC236}">
+                <a16:creationId xmlns:a16="http://schemas.microsoft.com/office/drawing/2014/main" id="{14E14223-2798-C878-BCB1-817726B833A0}"/>
+              </a:ext>
+            </a:extLst>
+          </p:cNvPr>
+          <p:cNvSpPr txBox="1"/>
+          <p:nvPr/>
+        </p:nvSpPr>
+        <p:spPr>
+          <a:xfrm>
+            <a:off x="3557200" y="8986536"/>
+            <a:ext cx="351378" cy="369332"/>
+          </a:xfrm>
+          <a:prstGeom prst="rect">
+            <a:avLst/>
+          </a:prstGeom>
+          <a:noFill/>
+        </p:spPr>
+        <p:txBody>
+          <a:bodyPr wrap="none" rtlCol="0">
+            <a:spAutoFit/>
+          </a:bodyPr>
+          <a:lstStyle/>
+          <a:p>
+            <a:r>
+              <a:rPr lang="en-US" dirty="0"/>
+              <a:t>C</a:t>
+            </a:r>
+          </a:p>
+        </p:txBody>
+      </p:sp>
     </p:spTree>
     <p:extLst>
       <p:ext uri="{BB962C8B-B14F-4D97-AF65-F5344CB8AC3E}">
         <p14:creationId xmlns:p14="http://schemas.microsoft.com/office/powerpoint/2010/main" val="2182902723"/>
+      </p:ext>
+    </p:extLst>
+  </p:cSld>
+  <p:clrMapOvr>
+    <a:masterClrMapping/>
+  </p:clrMapOvr>
+</p:sld>
+</file>
+
+<file path=ppt/slides/slide2.xml><?xml version="1.0" encoding="utf-8"?>
+<p:sld xmlns:a="http://schemas.openxmlformats.org/drawingml/2006/main" xmlns:r="http://schemas.openxmlformats.org/officeDocument/2006/relationships" xmlns:p="http://schemas.openxmlformats.org/presentationml/2006/main">
+  <p:cSld>
+    <p:spTree>
+      <p:nvGrpSpPr>
+        <p:cNvPr id="1" name=""/>
+        <p:cNvGrpSpPr/>
+        <p:nvPr/>
+      </p:nvGrpSpPr>
+      <p:grpSpPr>
+        <a:xfrm>
+          <a:off x="0" y="0"/>
+          <a:ext cx="0" cy="0"/>
+          <a:chOff x="0" y="0"/>
+          <a:chExt cx="0" cy="0"/>
+        </a:xfrm>
+      </p:grpSpPr>
+      <p:sp>
+        <p:nvSpPr>
+          <p:cNvPr id="2" name="Title 1"/>
+          <p:cNvSpPr>
+            <a:spLocks noGrp="1"/>
+          </p:cNvSpPr>
+          <p:nvPr>
+            <p:ph type="title"/>
+          </p:nvPr>
+        </p:nvSpPr>
+        <p:spPr/>
+        <p:txBody>
+          <a:bodyPr/>
+          <a:lstStyle/>
+          <a:p>
+            <a:r>
+              <a:rPr lang="en-US" sz="2800" dirty="0"/>
+              <a:t>Written Stage Briefing</a:t>
+            </a:r>
+          </a:p>
+        </p:txBody>
+      </p:sp>
+      <p:sp>
+        <p:nvSpPr>
+          <p:cNvPr id="3" name="Content Placeholder 2"/>
+          <p:cNvSpPr>
+            <a:spLocks noGrp="1"/>
+          </p:cNvSpPr>
+          <p:nvPr>
+            <p:ph idx="1"/>
+          </p:nvPr>
+        </p:nvSpPr>
+        <p:spPr/>
+        <p:txBody>
+          <a:bodyPr/>
+          <a:lstStyle/>
+          <a:p>
+            <a:r>
+              <a:rPr lang="en-US" sz="2000" dirty="0"/>
+              <a:t>Welcome to Funnel  </a:t>
+            </a:r>
+          </a:p>
+          <a:p>
+            <a:r>
+              <a:rPr lang="en-US" sz="2000" dirty="0"/>
+              <a:t>This is a 32 round Comstock course with 16 USPSA targets worth 160 points.</a:t>
+            </a:r>
+          </a:p>
+          <a:p>
+            <a:r>
+              <a:rPr lang="en-US" sz="2000" dirty="0"/>
+              <a:t>Scoring best 2 hits per paper target</a:t>
+            </a:r>
+          </a:p>
+          <a:p>
+            <a:r>
+              <a:rPr lang="en-US" sz="2000" dirty="0"/>
+              <a:t>Firearm:  </a:t>
+            </a:r>
+            <a:r>
+              <a:rPr kumimoji="0" lang="en-US" sz="2000" b="0" i="0" u="none" strike="noStrike" cap="none" normalizeH="0" baseline="0" dirty="0">
+                <a:ln>
+                  <a:noFill/>
+                </a:ln>
+                <a:solidFill>
+                  <a:schemeClr val="tx1"/>
+                </a:solidFill>
+                <a:effectLst/>
+                <a:latin typeface="Arial" charset="0"/>
+                <a:cs typeface="Times New Roman" charset="0"/>
+              </a:rPr>
+              <a:t>Handgun loaded and holstered. PCC loaded with safety on, buttstock on belt.</a:t>
+            </a:r>
+            <a:endParaRPr lang="en-US" sz="2000" dirty="0">
+              <a:latin typeface="Arial" charset="0"/>
+              <a:cs typeface="Times New Roman" charset="0"/>
+            </a:endParaRPr>
+          </a:p>
+          <a:p>
+            <a:r>
+              <a:rPr lang="en-US" sz="2000" dirty="0"/>
+              <a:t>Starting position: </a:t>
+            </a:r>
+            <a:r>
+              <a:rPr kumimoji="0" lang="en-US" sz="2000" b="0" i="0" u="none" strike="noStrike" cap="none" normalizeH="0" baseline="0" dirty="0">
+                <a:ln>
+                  <a:noFill/>
+                </a:ln>
+                <a:solidFill>
+                  <a:schemeClr val="tx1"/>
+                </a:solidFill>
+                <a:effectLst/>
+                <a:latin typeface="Arial" charset="0"/>
+                <a:cs typeface="Times New Roman" charset="0"/>
+              </a:rPr>
+              <a:t>Standing anywhere in the shooting area, facing downrange. Handgun, wrists below belt. PCC, buttstock on belt, weak hand wrist below the belt.</a:t>
+            </a:r>
+            <a:r>
+              <a:rPr lang="en-US" sz="2000" dirty="0"/>
+              <a:t> </a:t>
+            </a:r>
+            <a:endParaRPr lang="en-US" sz="2000" dirty="0">
+              <a:latin typeface="Arial" charset="0"/>
+              <a:cs typeface="Times New Roman" charset="0"/>
+            </a:endParaRPr>
+          </a:p>
+          <a:p>
+            <a:r>
+              <a:rPr kumimoji="0" lang="en-US" sz="2000" b="0" i="0" u="none" strike="noStrike" cap="none" normalizeH="0" baseline="0" dirty="0">
+                <a:ln>
+                  <a:noFill/>
+                </a:ln>
+                <a:solidFill>
+                  <a:schemeClr val="tx1"/>
+                </a:solidFill>
+                <a:effectLst/>
+                <a:latin typeface="Arial" charset="0"/>
+                <a:cs typeface="Times New Roman" charset="0"/>
+              </a:rPr>
+              <a:t>Upon start signal, engage targets as they become visible from within the shooting areas, A, B, or C</a:t>
+            </a:r>
+            <a:r>
+              <a:rPr lang="en-US" sz="2000" dirty="0"/>
+              <a:t>.</a:t>
+            </a:r>
+          </a:p>
+          <a:p>
+            <a:r>
+              <a:rPr lang="en-US" sz="2000" dirty="0"/>
+              <a:t>Are there any questions?</a:t>
+            </a:r>
+          </a:p>
+          <a:p>
+            <a:r>
+              <a:rPr lang="en-US" sz="2000" dirty="0"/>
+              <a:t>You now have 5 minutes to walk the stage.</a:t>
+            </a:r>
+          </a:p>
+          <a:p>
+            <a:pPr marL="0" indent="0">
+              <a:buNone/>
+            </a:pPr>
+            <a:endParaRPr lang="en-US" sz="2000" dirty="0"/>
+          </a:p>
+        </p:txBody>
+      </p:sp>
+    </p:spTree>
+    <p:extLst>
+      <p:ext uri="{BB962C8B-B14F-4D97-AF65-F5344CB8AC3E}">
+        <p14:creationId xmlns:p14="http://schemas.microsoft.com/office/powerpoint/2010/main" val="1193421545"/>
       </p:ext>
     </p:extLst>
   </p:cSld>
